--- a/march/week-1/meeting-4/PPT.pptx
+++ b/march/week-1/meeting-4/PPT.pptx
@@ -12,7 +12,10 @@
     <p:sldId id="259" r:id="rId6"/>
     <p:sldId id="260" r:id="rId7"/>
     <p:sldId id="262" r:id="rId8"/>
-    <p:sldId id="263" r:id="rId9"/>
+    <p:sldId id="264" r:id="rId9"/>
+    <p:sldId id="265" r:id="rId10"/>
+    <p:sldId id="266" r:id="rId11"/>
+    <p:sldId id="263" r:id="rId12"/>
   </p:sldIdLst>
   <p:sldSz cx="12192000" cy="6858000"/>
   <p:notesSz cx="6858000" cy="9144000"/>
@@ -266,7 +269,7 @@
           <a:p>
             <a:fld id="{EBCAE3FC-B6EF-44CD-B1B7-F816CCD4BDE2}" type="datetimeFigureOut">
               <a:rPr lang="en-US" smtClean="0"/>
-              <a:t>3/1/2022</a:t>
+              <a:t>3/3/2022</a:t>
             </a:fld>
             <a:endParaRPr lang="en-US"/>
           </a:p>
@@ -464,7 +467,7 @@
           <a:p>
             <a:fld id="{EBCAE3FC-B6EF-44CD-B1B7-F816CCD4BDE2}" type="datetimeFigureOut">
               <a:rPr lang="en-US" smtClean="0"/>
-              <a:t>3/1/2022</a:t>
+              <a:t>3/3/2022</a:t>
             </a:fld>
             <a:endParaRPr lang="en-US"/>
           </a:p>
@@ -672,7 +675,7 @@
           <a:p>
             <a:fld id="{EBCAE3FC-B6EF-44CD-B1B7-F816CCD4BDE2}" type="datetimeFigureOut">
               <a:rPr lang="en-US" smtClean="0"/>
-              <a:t>3/1/2022</a:t>
+              <a:t>3/3/2022</a:t>
             </a:fld>
             <a:endParaRPr lang="en-US"/>
           </a:p>
@@ -870,7 +873,7 @@
           <a:p>
             <a:fld id="{EBCAE3FC-B6EF-44CD-B1B7-F816CCD4BDE2}" type="datetimeFigureOut">
               <a:rPr lang="en-US" smtClean="0"/>
-              <a:t>3/1/2022</a:t>
+              <a:t>3/3/2022</a:t>
             </a:fld>
             <a:endParaRPr lang="en-US"/>
           </a:p>
@@ -1145,7 +1148,7 @@
           <a:p>
             <a:fld id="{EBCAE3FC-B6EF-44CD-B1B7-F816CCD4BDE2}" type="datetimeFigureOut">
               <a:rPr lang="en-US" smtClean="0"/>
-              <a:t>3/1/2022</a:t>
+              <a:t>3/3/2022</a:t>
             </a:fld>
             <a:endParaRPr lang="en-US"/>
           </a:p>
@@ -1410,7 +1413,7 @@
           <a:p>
             <a:fld id="{EBCAE3FC-B6EF-44CD-B1B7-F816CCD4BDE2}" type="datetimeFigureOut">
               <a:rPr lang="en-US" smtClean="0"/>
-              <a:t>3/1/2022</a:t>
+              <a:t>3/3/2022</a:t>
             </a:fld>
             <a:endParaRPr lang="en-US"/>
           </a:p>
@@ -1822,7 +1825,7 @@
           <a:p>
             <a:fld id="{EBCAE3FC-B6EF-44CD-B1B7-F816CCD4BDE2}" type="datetimeFigureOut">
               <a:rPr lang="en-US" smtClean="0"/>
-              <a:t>3/1/2022</a:t>
+              <a:t>3/3/2022</a:t>
             </a:fld>
             <a:endParaRPr lang="en-US"/>
           </a:p>
@@ -1963,7 +1966,7 @@
           <a:p>
             <a:fld id="{EBCAE3FC-B6EF-44CD-B1B7-F816CCD4BDE2}" type="datetimeFigureOut">
               <a:rPr lang="en-US" smtClean="0"/>
-              <a:t>3/1/2022</a:t>
+              <a:t>3/3/2022</a:t>
             </a:fld>
             <a:endParaRPr lang="en-US"/>
           </a:p>
@@ -2076,7 +2079,7 @@
           <a:p>
             <a:fld id="{EBCAE3FC-B6EF-44CD-B1B7-F816CCD4BDE2}" type="datetimeFigureOut">
               <a:rPr lang="en-US" smtClean="0"/>
-              <a:t>3/1/2022</a:t>
+              <a:t>3/3/2022</a:t>
             </a:fld>
             <a:endParaRPr lang="en-US"/>
           </a:p>
@@ -2387,7 +2390,7 @@
           <a:p>
             <a:fld id="{EBCAE3FC-B6EF-44CD-B1B7-F816CCD4BDE2}" type="datetimeFigureOut">
               <a:rPr lang="en-US" smtClean="0"/>
-              <a:t>3/1/2022</a:t>
+              <a:t>3/3/2022</a:t>
             </a:fld>
             <a:endParaRPr lang="en-US"/>
           </a:p>
@@ -2675,7 +2678,7 @@
           <a:p>
             <a:fld id="{EBCAE3FC-B6EF-44CD-B1B7-F816CCD4BDE2}" type="datetimeFigureOut">
               <a:rPr lang="en-US" smtClean="0"/>
-              <a:t>3/1/2022</a:t>
+              <a:t>3/3/2022</a:t>
             </a:fld>
             <a:endParaRPr lang="en-US"/>
           </a:p>
@@ -2916,7 +2919,7 @@
           <a:p>
             <a:fld id="{EBCAE3FC-B6EF-44CD-B1B7-F816CCD4BDE2}" type="datetimeFigureOut">
               <a:rPr lang="en-US" smtClean="0"/>
-              <a:t>3/1/2022</a:t>
+              <a:t>3/3/2022</a:t>
             </a:fld>
             <a:endParaRPr lang="en-US"/>
           </a:p>
@@ -3473,6 +3476,568 @@
 </p:sld>
 </file>
 
+<file path=ppt/slides/slide10.xml><?xml version="1.0" encoding="utf-8"?>
+<p:sld xmlns:a="http://schemas.openxmlformats.org/drawingml/2006/main" xmlns:r="http://schemas.openxmlformats.org/officeDocument/2006/relationships" xmlns:p="http://schemas.openxmlformats.org/presentationml/2006/main">
+  <p:cSld>
+    <p:spTree>
+      <p:nvGrpSpPr>
+        <p:cNvPr id="1" name=""/>
+        <p:cNvGrpSpPr/>
+        <p:nvPr/>
+      </p:nvGrpSpPr>
+      <p:grpSpPr>
+        <a:xfrm>
+          <a:off x="0" y="0"/>
+          <a:ext cx="0" cy="0"/>
+          <a:chOff x="0" y="0"/>
+          <a:chExt cx="0" cy="0"/>
+        </a:xfrm>
+      </p:grpSpPr>
+      <p:pic>
+        <p:nvPicPr>
+          <p:cNvPr id="2" name="Picture 1">
+            <a:extLst>
+              <a:ext uri="{FF2B5EF4-FFF2-40B4-BE49-F238E27FC236}">
+                <a16:creationId xmlns:a16="http://schemas.microsoft.com/office/drawing/2014/main" id="{B5AFCF75-7A5B-4DE1-8D3F-46C702A88D6E}"/>
+              </a:ext>
+            </a:extLst>
+          </p:cNvPr>
+          <p:cNvPicPr>
+            <a:picLocks noChangeAspect="1"/>
+          </p:cNvPicPr>
+          <p:nvPr/>
+        </p:nvPicPr>
+        <p:blipFill>
+          <a:blip r:embed="rId2">
+            <a:extLst>
+              <a:ext uri="{28A0092B-C50C-407E-A947-70E740481C1C}">
+                <a14:useLocalDpi xmlns:a14="http://schemas.microsoft.com/office/drawing/2010/main" val="0"/>
+              </a:ext>
+            </a:extLst>
+          </a:blip>
+          <a:stretch>
+            <a:fillRect/>
+          </a:stretch>
+        </p:blipFill>
+        <p:spPr>
+          <a:xfrm>
+            <a:off x="3158066" y="2338045"/>
+            <a:ext cx="5706533" cy="2181910"/>
+          </a:xfrm>
+          <a:prstGeom prst="rect">
+            <a:avLst/>
+          </a:prstGeom>
+        </p:spPr>
+      </p:pic>
+      <p:cxnSp>
+        <p:nvCxnSpPr>
+          <p:cNvPr id="3" name="Straight Connector 2">
+            <a:extLst>
+              <a:ext uri="{FF2B5EF4-FFF2-40B4-BE49-F238E27FC236}">
+                <a16:creationId xmlns:a16="http://schemas.microsoft.com/office/drawing/2014/main" id="{388F6657-CD32-4D2F-97B6-66B0F3313231}"/>
+              </a:ext>
+            </a:extLst>
+          </p:cNvPr>
+          <p:cNvCxnSpPr>
+            <a:cxnSpLocks/>
+          </p:cNvCxnSpPr>
+          <p:nvPr/>
+        </p:nvCxnSpPr>
+        <p:spPr>
+          <a:xfrm flipV="1">
+            <a:off x="4554385" y="2065867"/>
+            <a:ext cx="728815" cy="1479674"/>
+          </a:xfrm>
+          <a:prstGeom prst="line">
+            <a:avLst/>
+          </a:prstGeom>
+          <a:ln>
+            <a:solidFill>
+              <a:srgbClr val="FF0000"/>
+            </a:solidFill>
+          </a:ln>
+        </p:spPr>
+        <p:style>
+          <a:lnRef idx="1">
+            <a:schemeClr val="accent6"/>
+          </a:lnRef>
+          <a:fillRef idx="0">
+            <a:schemeClr val="accent6"/>
+          </a:fillRef>
+          <a:effectRef idx="0">
+            <a:schemeClr val="accent6"/>
+          </a:effectRef>
+          <a:fontRef idx="minor">
+            <a:schemeClr val="tx1"/>
+          </a:fontRef>
+        </p:style>
+      </p:cxnSp>
+      <p:sp>
+        <p:nvSpPr>
+          <p:cNvPr id="5" name="TextBox 4">
+            <a:extLst>
+              <a:ext uri="{FF2B5EF4-FFF2-40B4-BE49-F238E27FC236}">
+                <a16:creationId xmlns:a16="http://schemas.microsoft.com/office/drawing/2014/main" id="{7483FDBB-9FC3-4F91-BB0A-6843293CA0A3}"/>
+              </a:ext>
+            </a:extLst>
+          </p:cNvPr>
+          <p:cNvSpPr txBox="1"/>
+          <p:nvPr/>
+        </p:nvSpPr>
+        <p:spPr>
+          <a:xfrm>
+            <a:off x="4779433" y="1683557"/>
+            <a:ext cx="1138768" cy="246221"/>
+          </a:xfrm>
+          <a:prstGeom prst="rect">
+            <a:avLst/>
+          </a:prstGeom>
+          <a:noFill/>
+        </p:spPr>
+        <p:txBody>
+          <a:bodyPr wrap="square" rtlCol="0">
+            <a:spAutoFit/>
+          </a:bodyPr>
+          <a:lstStyle/>
+          <a:p>
+            <a:r>
+              <a:rPr lang="en-US" sz="1000" dirty="0" err="1">
+                <a:latin typeface="Poppins" panose="00000500000000000000" pitchFamily="2" charset="0"/>
+                <a:cs typeface="Poppins" panose="00000500000000000000" pitchFamily="2" charset="0"/>
+              </a:rPr>
+              <a:t>Modifikasi</a:t>
+            </a:r>
+            <a:r>
+              <a:rPr lang="en-US" sz="1000" dirty="0">
+                <a:latin typeface="Poppins" panose="00000500000000000000" pitchFamily="2" charset="0"/>
+                <a:cs typeface="Poppins" panose="00000500000000000000" pitchFamily="2" charset="0"/>
+              </a:rPr>
+              <a:t> </a:t>
+            </a:r>
+            <a:r>
+              <a:rPr lang="en-US" sz="1000" dirty="0" err="1">
+                <a:latin typeface="Poppins" panose="00000500000000000000" pitchFamily="2" charset="0"/>
+                <a:cs typeface="Poppins" panose="00000500000000000000" pitchFamily="2" charset="0"/>
+              </a:rPr>
+              <a:t>css</a:t>
+            </a:r>
+            <a:endParaRPr lang="en-US" sz="1000" dirty="0">
+              <a:latin typeface="Poppins" panose="00000500000000000000" pitchFamily="2" charset="0"/>
+              <a:cs typeface="Poppins" panose="00000500000000000000" pitchFamily="2" charset="0"/>
+            </a:endParaRPr>
+          </a:p>
+        </p:txBody>
+      </p:sp>
+      <p:cxnSp>
+        <p:nvCxnSpPr>
+          <p:cNvPr id="6" name="Straight Connector 5">
+            <a:extLst>
+              <a:ext uri="{FF2B5EF4-FFF2-40B4-BE49-F238E27FC236}">
+                <a16:creationId xmlns:a16="http://schemas.microsoft.com/office/drawing/2014/main" id="{6713EECB-535E-47E2-9AAF-1BEBCE62BF01}"/>
+              </a:ext>
+            </a:extLst>
+          </p:cNvPr>
+          <p:cNvCxnSpPr>
+            <a:cxnSpLocks/>
+          </p:cNvCxnSpPr>
+          <p:nvPr/>
+        </p:nvCxnSpPr>
+        <p:spPr>
+          <a:xfrm flipV="1">
+            <a:off x="4984409" y="2201956"/>
+            <a:ext cx="1517991" cy="1343585"/>
+          </a:xfrm>
+          <a:prstGeom prst="line">
+            <a:avLst/>
+          </a:prstGeom>
+          <a:ln>
+            <a:solidFill>
+              <a:srgbClr val="FF0000"/>
+            </a:solidFill>
+          </a:ln>
+        </p:spPr>
+        <p:style>
+          <a:lnRef idx="1">
+            <a:schemeClr val="accent6"/>
+          </a:lnRef>
+          <a:fillRef idx="0">
+            <a:schemeClr val="accent6"/>
+          </a:fillRef>
+          <a:effectRef idx="0">
+            <a:schemeClr val="accent6"/>
+          </a:effectRef>
+          <a:fontRef idx="minor">
+            <a:schemeClr val="tx1"/>
+          </a:fontRef>
+        </p:style>
+      </p:cxnSp>
+      <p:sp>
+        <p:nvSpPr>
+          <p:cNvPr id="8" name="TextBox 7">
+            <a:extLst>
+              <a:ext uri="{FF2B5EF4-FFF2-40B4-BE49-F238E27FC236}">
+                <a16:creationId xmlns:a16="http://schemas.microsoft.com/office/drawing/2014/main" id="{2C69DA49-E9A3-4600-949B-EDA1CCB523C7}"/>
+              </a:ext>
+            </a:extLst>
+          </p:cNvPr>
+          <p:cNvSpPr txBox="1"/>
+          <p:nvPr/>
+        </p:nvSpPr>
+        <p:spPr>
+          <a:xfrm>
+            <a:off x="6184900" y="1900669"/>
+            <a:ext cx="1138768" cy="246221"/>
+          </a:xfrm>
+          <a:prstGeom prst="rect">
+            <a:avLst/>
+          </a:prstGeom>
+          <a:noFill/>
+        </p:spPr>
+        <p:txBody>
+          <a:bodyPr wrap="square" rtlCol="0">
+            <a:spAutoFit/>
+          </a:bodyPr>
+          <a:lstStyle/>
+          <a:p>
+            <a:r>
+              <a:rPr lang="en-US" sz="1000" dirty="0">
+                <a:latin typeface="Poppins" panose="00000500000000000000" pitchFamily="2" charset="0"/>
+                <a:cs typeface="Poppins" panose="00000500000000000000" pitchFamily="2" charset="0"/>
+              </a:rPr>
+              <a:t>CSS </a:t>
+            </a:r>
+            <a:r>
+              <a:rPr lang="en-US" sz="1000" dirty="0" err="1">
+                <a:latin typeface="Poppins" panose="00000500000000000000" pitchFamily="2" charset="0"/>
+                <a:cs typeface="Poppins" panose="00000500000000000000" pitchFamily="2" charset="0"/>
+              </a:rPr>
+              <a:t>properti</a:t>
+            </a:r>
+            <a:endParaRPr lang="en-US" sz="1000" dirty="0">
+              <a:latin typeface="Poppins" panose="00000500000000000000" pitchFamily="2" charset="0"/>
+              <a:cs typeface="Poppins" panose="00000500000000000000" pitchFamily="2" charset="0"/>
+            </a:endParaRPr>
+          </a:p>
+        </p:txBody>
+      </p:sp>
+      <p:cxnSp>
+        <p:nvCxnSpPr>
+          <p:cNvPr id="9" name="Straight Connector 8">
+            <a:extLst>
+              <a:ext uri="{FF2B5EF4-FFF2-40B4-BE49-F238E27FC236}">
+                <a16:creationId xmlns:a16="http://schemas.microsoft.com/office/drawing/2014/main" id="{19717132-75A9-42CE-9996-32EC59FB355C}"/>
+              </a:ext>
+            </a:extLst>
+          </p:cNvPr>
+          <p:cNvCxnSpPr>
+            <a:cxnSpLocks/>
+          </p:cNvCxnSpPr>
+          <p:nvPr/>
+        </p:nvCxnSpPr>
+        <p:spPr>
+          <a:xfrm flipH="1" flipV="1">
+            <a:off x="2633338" y="3486666"/>
+            <a:ext cx="1185335" cy="117750"/>
+          </a:xfrm>
+          <a:prstGeom prst="line">
+            <a:avLst/>
+          </a:prstGeom>
+          <a:ln>
+            <a:solidFill>
+              <a:srgbClr val="FF0000"/>
+            </a:solidFill>
+          </a:ln>
+        </p:spPr>
+        <p:style>
+          <a:lnRef idx="1">
+            <a:schemeClr val="accent6"/>
+          </a:lnRef>
+          <a:fillRef idx="0">
+            <a:schemeClr val="accent6"/>
+          </a:fillRef>
+          <a:effectRef idx="0">
+            <a:schemeClr val="accent6"/>
+          </a:effectRef>
+          <a:fontRef idx="minor">
+            <a:schemeClr val="tx1"/>
+          </a:fontRef>
+        </p:style>
+      </p:cxnSp>
+      <p:sp>
+        <p:nvSpPr>
+          <p:cNvPr id="10" name="TextBox 9">
+            <a:extLst>
+              <a:ext uri="{FF2B5EF4-FFF2-40B4-BE49-F238E27FC236}">
+                <a16:creationId xmlns:a16="http://schemas.microsoft.com/office/drawing/2014/main" id="{49E53109-A5D5-4226-9279-9E8721CF7E5C}"/>
+              </a:ext>
+            </a:extLst>
+          </p:cNvPr>
+          <p:cNvSpPr txBox="1"/>
+          <p:nvPr/>
+        </p:nvSpPr>
+        <p:spPr>
+          <a:xfrm>
+            <a:off x="1591938" y="3240445"/>
+            <a:ext cx="1185335" cy="246221"/>
+          </a:xfrm>
+          <a:prstGeom prst="rect">
+            <a:avLst/>
+          </a:prstGeom>
+          <a:noFill/>
+        </p:spPr>
+        <p:txBody>
+          <a:bodyPr wrap="square" rtlCol="0">
+            <a:spAutoFit/>
+          </a:bodyPr>
+          <a:lstStyle/>
+          <a:p>
+            <a:r>
+              <a:rPr lang="en-US" sz="1000" dirty="0">
+                <a:latin typeface="Poppins" panose="00000500000000000000" pitchFamily="2" charset="0"/>
+                <a:cs typeface="Poppins" panose="00000500000000000000" pitchFamily="2" charset="0"/>
+              </a:rPr>
+              <a:t>Element HTML</a:t>
+            </a:r>
+          </a:p>
+        </p:txBody>
+      </p:sp>
+      <p:sp>
+        <p:nvSpPr>
+          <p:cNvPr id="11" name="TextBox 10">
+            <a:extLst>
+              <a:ext uri="{FF2B5EF4-FFF2-40B4-BE49-F238E27FC236}">
+                <a16:creationId xmlns:a16="http://schemas.microsoft.com/office/drawing/2014/main" id="{A7CBB0A7-57DB-436A-929C-149BAA3E45EC}"/>
+              </a:ext>
+            </a:extLst>
+          </p:cNvPr>
+          <p:cNvSpPr txBox="1"/>
+          <p:nvPr/>
+        </p:nvSpPr>
+        <p:spPr>
+          <a:xfrm>
+            <a:off x="770950" y="377376"/>
+            <a:ext cx="1994457" cy="338554"/>
+          </a:xfrm>
+          <a:prstGeom prst="rect">
+            <a:avLst/>
+          </a:prstGeom>
+          <a:noFill/>
+        </p:spPr>
+        <p:txBody>
+          <a:bodyPr wrap="none" rtlCol="0">
+            <a:spAutoFit/>
+          </a:bodyPr>
+          <a:lstStyle/>
+          <a:p>
+            <a:r>
+              <a:rPr lang="en-US" sz="1600" dirty="0">
+                <a:latin typeface="Poppins" panose="00000500000000000000" pitchFamily="2" charset="0"/>
+                <a:cs typeface="Poppins" panose="00000500000000000000" pitchFamily="2" charset="0"/>
+              </a:rPr>
+              <a:t>Change CSS style</a:t>
+            </a:r>
+          </a:p>
+        </p:txBody>
+      </p:sp>
+    </p:spTree>
+    <p:extLst>
+      <p:ext uri="{BB962C8B-B14F-4D97-AF65-F5344CB8AC3E}">
+        <p14:creationId xmlns:p14="http://schemas.microsoft.com/office/powerpoint/2010/main" val="3255195147"/>
+      </p:ext>
+    </p:extLst>
+  </p:cSld>
+  <p:clrMapOvr>
+    <a:masterClrMapping/>
+  </p:clrMapOvr>
+</p:sld>
+</file>
+
+<file path=ppt/slides/slide11.xml><?xml version="1.0" encoding="utf-8"?>
+<p:sld xmlns:a="http://schemas.openxmlformats.org/drawingml/2006/main" xmlns:r="http://schemas.openxmlformats.org/officeDocument/2006/relationships" xmlns:p="http://schemas.openxmlformats.org/presentationml/2006/main">
+  <p:cSld>
+    <p:spTree>
+      <p:nvGrpSpPr>
+        <p:cNvPr id="1" name=""/>
+        <p:cNvGrpSpPr/>
+        <p:nvPr/>
+      </p:nvGrpSpPr>
+      <p:grpSpPr>
+        <a:xfrm>
+          <a:off x="0" y="0"/>
+          <a:ext cx="0" cy="0"/>
+          <a:chOff x="0" y="0"/>
+          <a:chExt cx="0" cy="0"/>
+        </a:xfrm>
+      </p:grpSpPr>
+      <p:sp>
+        <p:nvSpPr>
+          <p:cNvPr id="3" name="TextBox 2">
+            <a:extLst>
+              <a:ext uri="{FF2B5EF4-FFF2-40B4-BE49-F238E27FC236}">
+                <a16:creationId xmlns:a16="http://schemas.microsoft.com/office/drawing/2014/main" id="{FCC6D65E-EAD8-40B9-A332-4939AEEE33A8}"/>
+              </a:ext>
+            </a:extLst>
+          </p:cNvPr>
+          <p:cNvSpPr txBox="1"/>
+          <p:nvPr/>
+        </p:nvSpPr>
+        <p:spPr>
+          <a:xfrm>
+            <a:off x="5132434" y="3259723"/>
+            <a:ext cx="1927131" cy="338554"/>
+          </a:xfrm>
+          <a:prstGeom prst="rect">
+            <a:avLst/>
+          </a:prstGeom>
+          <a:noFill/>
+        </p:spPr>
+        <p:txBody>
+          <a:bodyPr wrap="none" rtlCol="0">
+            <a:spAutoFit/>
+          </a:bodyPr>
+          <a:lstStyle/>
+          <a:p>
+            <a:r>
+              <a:rPr lang="en-US" sz="1600" dirty="0">
+                <a:latin typeface="Poppins" panose="00000500000000000000" pitchFamily="2" charset="0"/>
+                <a:cs typeface="Poppins" panose="00000500000000000000" pitchFamily="2" charset="0"/>
+              </a:rPr>
+              <a:t>Live coding DOM</a:t>
+            </a:r>
+          </a:p>
+        </p:txBody>
+      </p:sp>
+      <p:sp>
+        <p:nvSpPr>
+          <p:cNvPr id="4" name="TextBox 3">
+            <a:extLst>
+              <a:ext uri="{FF2B5EF4-FFF2-40B4-BE49-F238E27FC236}">
+                <a16:creationId xmlns:a16="http://schemas.microsoft.com/office/drawing/2014/main" id="{26BF369B-1F49-41E3-BACE-8B4B791EF39C}"/>
+              </a:ext>
+            </a:extLst>
+          </p:cNvPr>
+          <p:cNvSpPr txBox="1"/>
+          <p:nvPr/>
+        </p:nvSpPr>
+        <p:spPr>
+          <a:xfrm>
+            <a:off x="785998" y="6330251"/>
+            <a:ext cx="3062057" cy="246221"/>
+          </a:xfrm>
+          <a:prstGeom prst="rect">
+            <a:avLst/>
+          </a:prstGeom>
+          <a:noFill/>
+        </p:spPr>
+        <p:txBody>
+          <a:bodyPr wrap="none" rtlCol="0">
+            <a:spAutoFit/>
+          </a:bodyPr>
+          <a:lstStyle/>
+          <a:p>
+            <a:r>
+              <a:rPr lang="en-US" sz="1000" i="1" dirty="0">
+                <a:latin typeface="Poppins" panose="00000500000000000000" pitchFamily="2" charset="0"/>
+                <a:cs typeface="Poppins" panose="00000500000000000000" pitchFamily="2" charset="0"/>
+              </a:rPr>
+              <a:t>“DOM </a:t>
+            </a:r>
+            <a:r>
+              <a:rPr lang="en-US" sz="1000" i="1" dirty="0" err="1">
+                <a:latin typeface="Poppins" panose="00000500000000000000" pitchFamily="2" charset="0"/>
+                <a:cs typeface="Poppins" panose="00000500000000000000" pitchFamily="2" charset="0"/>
+              </a:rPr>
+              <a:t>berjalan</a:t>
+            </a:r>
+            <a:r>
+              <a:rPr lang="en-US" sz="1000" i="1" dirty="0">
+                <a:latin typeface="Poppins" panose="00000500000000000000" pitchFamily="2" charset="0"/>
+                <a:cs typeface="Poppins" panose="00000500000000000000" pitchFamily="2" charset="0"/>
+              </a:rPr>
+              <a:t> </a:t>
+            </a:r>
+            <a:r>
+              <a:rPr lang="en-US" sz="1000" i="1" dirty="0" err="1">
+                <a:latin typeface="Poppins" panose="00000500000000000000" pitchFamily="2" charset="0"/>
+                <a:cs typeface="Poppins" panose="00000500000000000000" pitchFamily="2" charset="0"/>
+              </a:rPr>
+              <a:t>dengan</a:t>
+            </a:r>
+            <a:r>
+              <a:rPr lang="en-US" sz="1000" i="1" dirty="0">
+                <a:latin typeface="Poppins" panose="00000500000000000000" pitchFamily="2" charset="0"/>
+                <a:cs typeface="Poppins" panose="00000500000000000000" pitchFamily="2" charset="0"/>
+              </a:rPr>
+              <a:t> </a:t>
+            </a:r>
+            <a:r>
+              <a:rPr lang="en-US" sz="1000" i="1" dirty="0" err="1">
+                <a:latin typeface="Poppins" panose="00000500000000000000" pitchFamily="2" charset="0"/>
+                <a:cs typeface="Poppins" panose="00000500000000000000" pitchFamily="2" charset="0"/>
+              </a:rPr>
+              <a:t>sistem</a:t>
+            </a:r>
+            <a:r>
+              <a:rPr lang="en-US" sz="1000" i="1" dirty="0">
+                <a:latin typeface="Poppins" panose="00000500000000000000" pitchFamily="2" charset="0"/>
+                <a:cs typeface="Poppins" panose="00000500000000000000" pitchFamily="2" charset="0"/>
+              </a:rPr>
+              <a:t> parent-child”</a:t>
+            </a:r>
+          </a:p>
+        </p:txBody>
+      </p:sp>
+      <p:sp>
+        <p:nvSpPr>
+          <p:cNvPr id="5" name="TextBox 4">
+            <a:extLst>
+              <a:ext uri="{FF2B5EF4-FFF2-40B4-BE49-F238E27FC236}">
+                <a16:creationId xmlns:a16="http://schemas.microsoft.com/office/drawing/2014/main" id="{94B41C81-C469-444D-909A-716B9F1FCED3}"/>
+              </a:ext>
+            </a:extLst>
+          </p:cNvPr>
+          <p:cNvSpPr txBox="1"/>
+          <p:nvPr/>
+        </p:nvSpPr>
+        <p:spPr>
+          <a:xfrm>
+            <a:off x="8108831" y="6330250"/>
+            <a:ext cx="4083169" cy="246221"/>
+          </a:xfrm>
+          <a:prstGeom prst="rect">
+            <a:avLst/>
+          </a:prstGeom>
+          <a:noFill/>
+        </p:spPr>
+        <p:txBody>
+          <a:bodyPr wrap="none" rtlCol="0">
+            <a:spAutoFit/>
+          </a:bodyPr>
+          <a:lstStyle/>
+          <a:p>
+            <a:r>
+              <a:rPr lang="en-US" sz="1000" i="1" dirty="0">
+                <a:latin typeface="Poppins" panose="00000500000000000000" pitchFamily="2" charset="0"/>
+                <a:cs typeface="Poppins" panose="00000500000000000000" pitchFamily="2" charset="0"/>
+              </a:rPr>
+              <a:t>Reference: https://www.w3schools.com/js/js_htmldom.asp</a:t>
+            </a:r>
+          </a:p>
+        </p:txBody>
+      </p:sp>
+    </p:spTree>
+    <p:extLst>
+      <p:ext uri="{BB962C8B-B14F-4D97-AF65-F5344CB8AC3E}">
+        <p14:creationId xmlns:p14="http://schemas.microsoft.com/office/powerpoint/2010/main" val="3284568033"/>
+      </p:ext>
+    </p:extLst>
+  </p:cSld>
+  <p:clrMapOvr>
+    <a:masterClrMapping/>
+  </p:clrMapOvr>
+</p:sld>
+</file>
+
 <file path=ppt/slides/slide2.xml><?xml version="1.0" encoding="utf-8"?>
 <p:sld xmlns:a="http://schemas.openxmlformats.org/drawingml/2006/main" xmlns:r="http://schemas.openxmlformats.org/officeDocument/2006/relationships" xmlns:p="http://schemas.openxmlformats.org/presentationml/2006/main">
   <p:cSld>
@@ -6462,12 +7027,91 @@
           <a:chExt cx="0" cy="0"/>
         </a:xfrm>
       </p:grpSpPr>
-      <p:sp>
-        <p:nvSpPr>
-          <p:cNvPr id="3" name="TextBox 2">
-            <a:extLst>
-              <a:ext uri="{FF2B5EF4-FFF2-40B4-BE49-F238E27FC236}">
-                <a16:creationId xmlns:a16="http://schemas.microsoft.com/office/drawing/2014/main" id="{FCC6D65E-EAD8-40B9-A332-4939AEEE33A8}"/>
+      <p:pic>
+        <p:nvPicPr>
+          <p:cNvPr id="3" name="Picture 2">
+            <a:extLst>
+              <a:ext uri="{FF2B5EF4-FFF2-40B4-BE49-F238E27FC236}">
+                <a16:creationId xmlns:a16="http://schemas.microsoft.com/office/drawing/2014/main" id="{4BBAB25E-52AC-4314-ACC5-12ADD8B33D6C}"/>
+              </a:ext>
+            </a:extLst>
+          </p:cNvPr>
+          <p:cNvPicPr>
+            <a:picLocks noChangeAspect="1"/>
+          </p:cNvPicPr>
+          <p:nvPr/>
+        </p:nvPicPr>
+        <p:blipFill>
+          <a:blip r:embed="rId2">
+            <a:extLst>
+              <a:ext uri="{28A0092B-C50C-407E-A947-70E740481C1C}">
+                <a14:useLocalDpi xmlns:a14="http://schemas.microsoft.com/office/drawing/2010/main" val="0"/>
+              </a:ext>
+            </a:extLst>
+          </a:blip>
+          <a:stretch>
+            <a:fillRect/>
+          </a:stretch>
+        </p:blipFill>
+        <p:spPr>
+          <a:xfrm>
+            <a:off x="1357198" y="1498600"/>
+            <a:ext cx="5481337" cy="2265082"/>
+          </a:xfrm>
+          <a:prstGeom prst="rect">
+            <a:avLst/>
+          </a:prstGeom>
+        </p:spPr>
+      </p:pic>
+      <p:cxnSp>
+        <p:nvCxnSpPr>
+          <p:cNvPr id="4" name="Straight Connector 3">
+            <a:extLst>
+              <a:ext uri="{FF2B5EF4-FFF2-40B4-BE49-F238E27FC236}">
+                <a16:creationId xmlns:a16="http://schemas.microsoft.com/office/drawing/2014/main" id="{5A61710C-6FF6-4F8B-88B9-E91AC3FFA05F}"/>
+              </a:ext>
+            </a:extLst>
+          </p:cNvPr>
+          <p:cNvCxnSpPr>
+            <a:cxnSpLocks/>
+          </p:cNvCxnSpPr>
+          <p:nvPr/>
+        </p:nvCxnSpPr>
+        <p:spPr>
+          <a:xfrm flipV="1">
+            <a:off x="4943851" y="1309120"/>
+            <a:ext cx="855816" cy="1288154"/>
+          </a:xfrm>
+          <a:prstGeom prst="line">
+            <a:avLst/>
+          </a:prstGeom>
+          <a:ln>
+            <a:solidFill>
+              <a:srgbClr val="FF0000"/>
+            </a:solidFill>
+          </a:ln>
+        </p:spPr>
+        <p:style>
+          <a:lnRef idx="1">
+            <a:schemeClr val="accent6"/>
+          </a:lnRef>
+          <a:fillRef idx="0">
+            <a:schemeClr val="accent6"/>
+          </a:fillRef>
+          <a:effectRef idx="0">
+            <a:schemeClr val="accent6"/>
+          </a:effectRef>
+          <a:fontRef idx="minor">
+            <a:schemeClr val="tx1"/>
+          </a:fontRef>
+        </p:style>
+      </p:cxnSp>
+      <p:sp>
+        <p:nvSpPr>
+          <p:cNvPr id="5" name="TextBox 4">
+            <a:extLst>
+              <a:ext uri="{FF2B5EF4-FFF2-40B4-BE49-F238E27FC236}">
+                <a16:creationId xmlns:a16="http://schemas.microsoft.com/office/drawing/2014/main" id="{1315CA42-8F10-441F-AA32-66DA8B42AAC2}"/>
               </a:ext>
             </a:extLst>
           </p:cNvPr>
@@ -6476,8 +7120,8 @@
         </p:nvSpPr>
         <p:spPr>
           <a:xfrm>
-            <a:off x="5132434" y="3259723"/>
-            <a:ext cx="1927131" cy="338554"/>
+            <a:off x="4943851" y="1034529"/>
+            <a:ext cx="2135191" cy="246221"/>
           </a:xfrm>
           <a:prstGeom prst="rect">
             <a:avLst/>
@@ -6485,27 +7129,84 @@
           <a:noFill/>
         </p:spPr>
         <p:txBody>
-          <a:bodyPr wrap="none" rtlCol="0">
+          <a:bodyPr wrap="square" rtlCol="0">
             <a:spAutoFit/>
           </a:bodyPr>
           <a:lstStyle/>
           <a:p>
             <a:r>
-              <a:rPr lang="en-US" sz="1600" dirty="0">
-                <a:latin typeface="Poppins" panose="00000500000000000000" pitchFamily="2" charset="0"/>
-                <a:cs typeface="Poppins" panose="00000500000000000000" pitchFamily="2" charset="0"/>
-              </a:rPr>
-              <a:t>Live coding DOM</a:t>
-            </a:r>
-          </a:p>
-        </p:txBody>
-      </p:sp>
-      <p:sp>
-        <p:nvSpPr>
-          <p:cNvPr id="4" name="TextBox 3">
-            <a:extLst>
-              <a:ext uri="{FF2B5EF4-FFF2-40B4-BE49-F238E27FC236}">
-                <a16:creationId xmlns:a16="http://schemas.microsoft.com/office/drawing/2014/main" id="{26BF369B-1F49-41E3-BACE-8B4B791EF39C}"/>
+              <a:rPr lang="en-US" sz="1000" dirty="0">
+                <a:latin typeface="Poppins" panose="00000500000000000000" pitchFamily="2" charset="0"/>
+                <a:cs typeface="Poppins" panose="00000500000000000000" pitchFamily="2" charset="0"/>
+              </a:rPr>
+              <a:t>DOM </a:t>
+            </a:r>
+            <a:r>
+              <a:rPr lang="en-US" sz="1000" dirty="0" err="1">
+                <a:latin typeface="Poppins" panose="00000500000000000000" pitchFamily="2" charset="0"/>
+                <a:cs typeface="Poppins" panose="00000500000000000000" pitchFamily="2" charset="0"/>
+              </a:rPr>
+              <a:t>membuat</a:t>
+            </a:r>
+            <a:r>
+              <a:rPr lang="en-US" sz="1000" dirty="0">
+                <a:latin typeface="Poppins" panose="00000500000000000000" pitchFamily="2" charset="0"/>
+                <a:cs typeface="Poppins" panose="00000500000000000000" pitchFamily="2" charset="0"/>
+              </a:rPr>
+              <a:t> html element</a:t>
+            </a:r>
+          </a:p>
+        </p:txBody>
+      </p:sp>
+      <p:cxnSp>
+        <p:nvCxnSpPr>
+          <p:cNvPr id="7" name="Straight Connector 6">
+            <a:extLst>
+              <a:ext uri="{FF2B5EF4-FFF2-40B4-BE49-F238E27FC236}">
+                <a16:creationId xmlns:a16="http://schemas.microsoft.com/office/drawing/2014/main" id="{2CDC0DAC-9885-4E9B-AB1F-BD034FB73E10}"/>
+              </a:ext>
+            </a:extLst>
+          </p:cNvPr>
+          <p:cNvCxnSpPr>
+            <a:cxnSpLocks/>
+          </p:cNvCxnSpPr>
+          <p:nvPr/>
+        </p:nvCxnSpPr>
+        <p:spPr>
+          <a:xfrm>
+            <a:off x="2784851" y="2823882"/>
+            <a:ext cx="1228349" cy="1129280"/>
+          </a:xfrm>
+          <a:prstGeom prst="line">
+            <a:avLst/>
+          </a:prstGeom>
+          <a:ln>
+            <a:solidFill>
+              <a:srgbClr val="FF0000"/>
+            </a:solidFill>
+          </a:ln>
+        </p:spPr>
+        <p:style>
+          <a:lnRef idx="1">
+            <a:schemeClr val="accent6"/>
+          </a:lnRef>
+          <a:fillRef idx="0">
+            <a:schemeClr val="accent6"/>
+          </a:fillRef>
+          <a:effectRef idx="0">
+            <a:schemeClr val="accent6"/>
+          </a:effectRef>
+          <a:fontRef idx="minor">
+            <a:schemeClr val="tx1"/>
+          </a:fontRef>
+        </p:style>
+      </p:cxnSp>
+      <p:sp>
+        <p:nvSpPr>
+          <p:cNvPr id="10" name="TextBox 9">
+            <a:extLst>
+              <a:ext uri="{FF2B5EF4-FFF2-40B4-BE49-F238E27FC236}">
+                <a16:creationId xmlns:a16="http://schemas.microsoft.com/office/drawing/2014/main" id="{282C5BE9-A00B-4C71-A631-EAE764230EF5}"/>
               </a:ext>
             </a:extLst>
           </p:cNvPr>
@@ -6514,8 +7215,8 @@
         </p:nvSpPr>
         <p:spPr>
           <a:xfrm>
-            <a:off x="785998" y="6330251"/>
-            <a:ext cx="3062057" cy="246221"/>
+            <a:off x="3305662" y="3953162"/>
+            <a:ext cx="2494005" cy="553998"/>
           </a:xfrm>
           <a:prstGeom prst="rect">
             <a:avLst/>
@@ -6523,69 +7224,291 @@
           <a:noFill/>
         </p:spPr>
         <p:txBody>
-          <a:bodyPr wrap="none" rtlCol="0">
+          <a:bodyPr wrap="square" rtlCol="0">
             <a:spAutoFit/>
           </a:bodyPr>
           <a:lstStyle/>
           <a:p>
             <a:r>
-              <a:rPr lang="en-US" sz="1000" i="1" dirty="0">
-                <a:latin typeface="Poppins" panose="00000500000000000000" pitchFamily="2" charset="0"/>
-                <a:cs typeface="Poppins" panose="00000500000000000000" pitchFamily="2" charset="0"/>
-              </a:rPr>
-              <a:t>“DOM </a:t>
-            </a:r>
-            <a:r>
-              <a:rPr lang="en-US" sz="1000" i="1" dirty="0" err="1">
-                <a:latin typeface="Poppins" panose="00000500000000000000" pitchFamily="2" charset="0"/>
-                <a:cs typeface="Poppins" panose="00000500000000000000" pitchFamily="2" charset="0"/>
-              </a:rPr>
-              <a:t>berjalan</a:t>
-            </a:r>
-            <a:r>
-              <a:rPr lang="en-US" sz="1000" i="1" dirty="0">
+              <a:rPr lang="en-US" sz="1000" dirty="0" err="1">
+                <a:latin typeface="Poppins" panose="00000500000000000000" pitchFamily="2" charset="0"/>
+                <a:cs typeface="Poppins" panose="00000500000000000000" pitchFamily="2" charset="0"/>
+              </a:rPr>
+              <a:t>Digunakan</a:t>
+            </a:r>
+            <a:r>
+              <a:rPr lang="en-US" sz="1000" dirty="0">
                 <a:latin typeface="Poppins" panose="00000500000000000000" pitchFamily="2" charset="0"/>
                 <a:cs typeface="Poppins" panose="00000500000000000000" pitchFamily="2" charset="0"/>
               </a:rPr>
               <a:t> </a:t>
             </a:r>
             <a:r>
-              <a:rPr lang="en-US" sz="1000" i="1" dirty="0" err="1">
-                <a:latin typeface="Poppins" panose="00000500000000000000" pitchFamily="2" charset="0"/>
-                <a:cs typeface="Poppins" panose="00000500000000000000" pitchFamily="2" charset="0"/>
-              </a:rPr>
-              <a:t>dengan</a:t>
-            </a:r>
-            <a:r>
-              <a:rPr lang="en-US" sz="1000" i="1" dirty="0">
+              <a:rPr lang="en-US" sz="1000" dirty="0" err="1">
+                <a:latin typeface="Poppins" panose="00000500000000000000" pitchFamily="2" charset="0"/>
+                <a:cs typeface="Poppins" panose="00000500000000000000" pitchFamily="2" charset="0"/>
+              </a:rPr>
+              <a:t>untuk</a:t>
+            </a:r>
+            <a:r>
+              <a:rPr lang="en-US" sz="1000" dirty="0">
                 <a:latin typeface="Poppins" panose="00000500000000000000" pitchFamily="2" charset="0"/>
                 <a:cs typeface="Poppins" panose="00000500000000000000" pitchFamily="2" charset="0"/>
               </a:rPr>
               <a:t> </a:t>
             </a:r>
             <a:r>
-              <a:rPr lang="en-US" sz="1000" i="1" dirty="0" err="1">
-                <a:latin typeface="Poppins" panose="00000500000000000000" pitchFamily="2" charset="0"/>
-                <a:cs typeface="Poppins" panose="00000500000000000000" pitchFamily="2" charset="0"/>
-              </a:rPr>
-              <a:t>sistem</a:t>
-            </a:r>
-            <a:r>
-              <a:rPr lang="en-US" sz="1000" i="1" dirty="0">
-                <a:latin typeface="Poppins" panose="00000500000000000000" pitchFamily="2" charset="0"/>
-                <a:cs typeface="Poppins" panose="00000500000000000000" pitchFamily="2" charset="0"/>
-              </a:rPr>
-              <a:t> parent-child”</a:t>
-            </a:r>
-          </a:p>
-        </p:txBody>
-      </p:sp>
-      <p:sp>
-        <p:nvSpPr>
-          <p:cNvPr id="5" name="TextBox 4">
-            <a:extLst>
-              <a:ext uri="{FF2B5EF4-FFF2-40B4-BE49-F238E27FC236}">
-                <a16:creationId xmlns:a16="http://schemas.microsoft.com/office/drawing/2014/main" id="{94B41C81-C469-444D-909A-716B9F1FCED3}"/>
+              <a:rPr lang="en-US" sz="1000" dirty="0" err="1">
+                <a:latin typeface="Poppins" panose="00000500000000000000" pitchFamily="2" charset="0"/>
+                <a:cs typeface="Poppins" panose="00000500000000000000" pitchFamily="2" charset="0"/>
+              </a:rPr>
+              <a:t>membuat</a:t>
+            </a:r>
+            <a:r>
+              <a:rPr lang="en-US" sz="1000" dirty="0">
+                <a:latin typeface="Poppins" panose="00000500000000000000" pitchFamily="2" charset="0"/>
+                <a:cs typeface="Poppins" panose="00000500000000000000" pitchFamily="2" charset="0"/>
+              </a:rPr>
+              <a:t> element html </a:t>
+            </a:r>
+            <a:r>
+              <a:rPr lang="en-US" sz="1000" dirty="0" err="1">
+                <a:latin typeface="Poppins" panose="00000500000000000000" pitchFamily="2" charset="0"/>
+                <a:cs typeface="Poppins" panose="00000500000000000000" pitchFamily="2" charset="0"/>
+              </a:rPr>
+              <a:t>didalam</a:t>
+            </a:r>
+            <a:r>
+              <a:rPr lang="en-US" sz="1000" dirty="0">
+                <a:latin typeface="Poppins" panose="00000500000000000000" pitchFamily="2" charset="0"/>
+                <a:cs typeface="Poppins" panose="00000500000000000000" pitchFamily="2" charset="0"/>
+              </a:rPr>
+              <a:t> element yang </a:t>
+            </a:r>
+            <a:r>
+              <a:rPr lang="en-US" sz="1000" dirty="0" err="1">
+                <a:latin typeface="Poppins" panose="00000500000000000000" pitchFamily="2" charset="0"/>
+                <a:cs typeface="Poppins" panose="00000500000000000000" pitchFamily="2" charset="0"/>
+              </a:rPr>
+              <a:t>dipanggil</a:t>
+            </a:r>
+            <a:endParaRPr lang="en-US" sz="1000" dirty="0">
+              <a:latin typeface="Poppins" panose="00000500000000000000" pitchFamily="2" charset="0"/>
+              <a:cs typeface="Poppins" panose="00000500000000000000" pitchFamily="2" charset="0"/>
+            </a:endParaRPr>
+          </a:p>
+        </p:txBody>
+      </p:sp>
+      <p:sp>
+        <p:nvSpPr>
+          <p:cNvPr id="11" name="Rectangle: Rounded Corners 10">
+            <a:extLst>
+              <a:ext uri="{FF2B5EF4-FFF2-40B4-BE49-F238E27FC236}">
+                <a16:creationId xmlns:a16="http://schemas.microsoft.com/office/drawing/2014/main" id="{153DD9BA-8DF7-40CB-A3A4-7EDEF4DF9C4E}"/>
+              </a:ext>
+            </a:extLst>
+          </p:cNvPr>
+          <p:cNvSpPr/>
+          <p:nvPr/>
+        </p:nvSpPr>
+        <p:spPr>
+          <a:xfrm>
+            <a:off x="8371806" y="2914607"/>
+            <a:ext cx="1035343" cy="710755"/>
+          </a:xfrm>
+          <a:prstGeom prst="roundRect">
+            <a:avLst/>
+          </a:prstGeom>
+          <a:solidFill>
+            <a:schemeClr val="bg1"/>
+          </a:solidFill>
+          <a:ln>
+            <a:solidFill>
+              <a:schemeClr val="tx1"/>
+            </a:solidFill>
+          </a:ln>
+        </p:spPr>
+        <p:style>
+          <a:lnRef idx="2">
+            <a:schemeClr val="accent1">
+              <a:shade val="50000"/>
+            </a:schemeClr>
+          </a:lnRef>
+          <a:fillRef idx="1">
+            <a:schemeClr val="accent1"/>
+          </a:fillRef>
+          <a:effectRef idx="0">
+            <a:schemeClr val="accent1"/>
+          </a:effectRef>
+          <a:fontRef idx="minor">
+            <a:schemeClr val="lt1"/>
+          </a:fontRef>
+        </p:style>
+        <p:txBody>
+          <a:bodyPr rtlCol="0" anchor="ctr"/>
+          <a:lstStyle/>
+          <a:p>
+            <a:pPr algn="ctr"/>
+            <a:r>
+              <a:rPr lang="en-US" sz="1000" dirty="0">
+                <a:solidFill>
+                  <a:schemeClr val="tx1"/>
+                </a:solidFill>
+                <a:latin typeface="Poppins" panose="00000500000000000000" pitchFamily="2" charset="0"/>
+                <a:cs typeface="Poppins" panose="00000500000000000000" pitchFamily="2" charset="0"/>
+              </a:rPr>
+              <a:t>DIV</a:t>
+            </a:r>
+          </a:p>
+        </p:txBody>
+      </p:sp>
+      <p:sp>
+        <p:nvSpPr>
+          <p:cNvPr id="12" name="Rectangle: Rounded Corners 11">
+            <a:extLst>
+              <a:ext uri="{FF2B5EF4-FFF2-40B4-BE49-F238E27FC236}">
+                <a16:creationId xmlns:a16="http://schemas.microsoft.com/office/drawing/2014/main" id="{457A1A75-3DA5-47A3-8A3D-48EB8EF4FA73}"/>
+              </a:ext>
+            </a:extLst>
+          </p:cNvPr>
+          <p:cNvSpPr/>
+          <p:nvPr/>
+        </p:nvSpPr>
+        <p:spPr>
+          <a:xfrm>
+            <a:off x="8371806" y="3924097"/>
+            <a:ext cx="1035343" cy="710755"/>
+          </a:xfrm>
+          <a:prstGeom prst="roundRect">
+            <a:avLst/>
+          </a:prstGeom>
+          <a:solidFill>
+            <a:schemeClr val="bg1"/>
+          </a:solidFill>
+          <a:ln>
+            <a:solidFill>
+              <a:schemeClr val="tx1"/>
+            </a:solidFill>
+          </a:ln>
+        </p:spPr>
+        <p:style>
+          <a:lnRef idx="2">
+            <a:schemeClr val="accent1">
+              <a:shade val="50000"/>
+            </a:schemeClr>
+          </a:lnRef>
+          <a:fillRef idx="1">
+            <a:schemeClr val="accent1"/>
+          </a:fillRef>
+          <a:effectRef idx="0">
+            <a:schemeClr val="accent1"/>
+          </a:effectRef>
+          <a:fontRef idx="minor">
+            <a:schemeClr val="lt1"/>
+          </a:fontRef>
+        </p:style>
+        <p:txBody>
+          <a:bodyPr rtlCol="0" anchor="ctr"/>
+          <a:lstStyle/>
+          <a:p>
+            <a:pPr algn="ctr"/>
+            <a:r>
+              <a:rPr lang="en-US" sz="1000" dirty="0">
+                <a:solidFill>
+                  <a:schemeClr val="tx1"/>
+                </a:solidFill>
+                <a:latin typeface="Poppins" panose="00000500000000000000" pitchFamily="2" charset="0"/>
+                <a:cs typeface="Poppins" panose="00000500000000000000" pitchFamily="2" charset="0"/>
+              </a:rPr>
+              <a:t>H1</a:t>
+            </a:r>
+          </a:p>
+        </p:txBody>
+      </p:sp>
+      <p:cxnSp>
+        <p:nvCxnSpPr>
+          <p:cNvPr id="13" name="Straight Connector 12">
+            <a:extLst>
+              <a:ext uri="{FF2B5EF4-FFF2-40B4-BE49-F238E27FC236}">
+                <a16:creationId xmlns:a16="http://schemas.microsoft.com/office/drawing/2014/main" id="{254E8D49-2FDF-4E0C-ACAA-D085D8E2C85E}"/>
+              </a:ext>
+            </a:extLst>
+          </p:cNvPr>
+          <p:cNvCxnSpPr>
+            <a:cxnSpLocks/>
+            <a:stCxn id="11" idx="2"/>
+            <a:endCxn id="12" idx="0"/>
+          </p:cNvCxnSpPr>
+          <p:nvPr/>
+        </p:nvCxnSpPr>
+        <p:spPr>
+          <a:xfrm>
+            <a:off x="8889478" y="3625362"/>
+            <a:ext cx="0" cy="298735"/>
+          </a:xfrm>
+          <a:prstGeom prst="line">
+            <a:avLst/>
+          </a:prstGeom>
+        </p:spPr>
+        <p:style>
+          <a:lnRef idx="1">
+            <a:schemeClr val="dk1"/>
+          </a:lnRef>
+          <a:fillRef idx="0">
+            <a:schemeClr val="dk1"/>
+          </a:fillRef>
+          <a:effectRef idx="0">
+            <a:schemeClr val="dk1"/>
+          </a:effectRef>
+          <a:fontRef idx="minor">
+            <a:schemeClr val="tx1"/>
+          </a:fontRef>
+        </p:style>
+      </p:cxnSp>
+      <p:cxnSp>
+        <p:nvCxnSpPr>
+          <p:cNvPr id="14" name="Straight Connector 13">
+            <a:extLst>
+              <a:ext uri="{FF2B5EF4-FFF2-40B4-BE49-F238E27FC236}">
+                <a16:creationId xmlns:a16="http://schemas.microsoft.com/office/drawing/2014/main" id="{0E594CB0-A110-40AB-99CA-53C939E9B3B6}"/>
+              </a:ext>
+            </a:extLst>
+          </p:cNvPr>
+          <p:cNvCxnSpPr>
+            <a:cxnSpLocks/>
+          </p:cNvCxnSpPr>
+          <p:nvPr/>
+        </p:nvCxnSpPr>
+        <p:spPr>
+          <a:xfrm flipH="1">
+            <a:off x="8889477" y="2576370"/>
+            <a:ext cx="295130" cy="295800"/>
+          </a:xfrm>
+          <a:prstGeom prst="line">
+            <a:avLst/>
+          </a:prstGeom>
+        </p:spPr>
+        <p:style>
+          <a:lnRef idx="1">
+            <a:schemeClr val="dk1"/>
+          </a:lnRef>
+          <a:fillRef idx="0">
+            <a:schemeClr val="dk1"/>
+          </a:fillRef>
+          <a:effectRef idx="0">
+            <a:schemeClr val="dk1"/>
+          </a:effectRef>
+          <a:fontRef idx="minor">
+            <a:schemeClr val="tx1"/>
+          </a:fontRef>
+        </p:style>
+      </p:cxnSp>
+      <p:sp>
+        <p:nvSpPr>
+          <p:cNvPr id="15" name="TextBox 14">
+            <a:extLst>
+              <a:ext uri="{FF2B5EF4-FFF2-40B4-BE49-F238E27FC236}">
+                <a16:creationId xmlns:a16="http://schemas.microsoft.com/office/drawing/2014/main" id="{D65D7257-369F-4893-880C-39775057FF14}"/>
               </a:ext>
             </a:extLst>
           </p:cNvPr>
@@ -6594,8 +7517,8 @@
         </p:nvSpPr>
         <p:spPr>
           <a:xfrm>
-            <a:off x="8108831" y="6330250"/>
-            <a:ext cx="4083169" cy="246221"/>
+            <a:off x="8277452" y="2277635"/>
+            <a:ext cx="2259394" cy="246221"/>
           </a:xfrm>
           <a:prstGeom prst="rect">
             <a:avLst/>
@@ -6603,25 +7526,551 @@
           <a:noFill/>
         </p:spPr>
         <p:txBody>
+          <a:bodyPr wrap="square" rtlCol="0">
+            <a:spAutoFit/>
+          </a:bodyPr>
+          <a:lstStyle/>
+          <a:p>
+            <a:r>
+              <a:rPr lang="en-US" sz="1000" dirty="0" err="1">
+                <a:latin typeface="Poppins" panose="00000500000000000000" pitchFamily="2" charset="0"/>
+                <a:cs typeface="Poppins" panose="00000500000000000000" pitchFamily="2" charset="0"/>
+              </a:rPr>
+              <a:t>Panggil</a:t>
+            </a:r>
+            <a:r>
+              <a:rPr lang="en-US" sz="1000" dirty="0">
+                <a:latin typeface="Poppins" panose="00000500000000000000" pitchFamily="2" charset="0"/>
+                <a:cs typeface="Poppins" panose="00000500000000000000" pitchFamily="2" charset="0"/>
+              </a:rPr>
+              <a:t> element / </a:t>
+            </a:r>
+            <a:r>
+              <a:rPr lang="en-US" sz="1000" dirty="0" err="1">
+                <a:latin typeface="Poppins" panose="00000500000000000000" pitchFamily="2" charset="0"/>
+                <a:cs typeface="Poppins" panose="00000500000000000000" pitchFamily="2" charset="0"/>
+              </a:rPr>
+              <a:t>buat</a:t>
+            </a:r>
+            <a:r>
+              <a:rPr lang="en-US" sz="1000" dirty="0">
+                <a:latin typeface="Poppins" panose="00000500000000000000" pitchFamily="2" charset="0"/>
+                <a:cs typeface="Poppins" panose="00000500000000000000" pitchFamily="2" charset="0"/>
+              </a:rPr>
+              <a:t> </a:t>
+            </a:r>
+            <a:r>
+              <a:rPr lang="en-US" sz="1000" dirty="0" err="1">
+                <a:latin typeface="Poppins" panose="00000500000000000000" pitchFamily="2" charset="0"/>
+                <a:cs typeface="Poppins" panose="00000500000000000000" pitchFamily="2" charset="0"/>
+              </a:rPr>
+              <a:t>baru</a:t>
+            </a:r>
+            <a:endParaRPr lang="en-US" sz="1000" dirty="0">
+              <a:latin typeface="Poppins" panose="00000500000000000000" pitchFamily="2" charset="0"/>
+              <a:cs typeface="Poppins" panose="00000500000000000000" pitchFamily="2" charset="0"/>
+            </a:endParaRPr>
+          </a:p>
+        </p:txBody>
+      </p:sp>
+      <p:sp>
+        <p:nvSpPr>
+          <p:cNvPr id="16" name="TextBox 15">
+            <a:extLst>
+              <a:ext uri="{FF2B5EF4-FFF2-40B4-BE49-F238E27FC236}">
+                <a16:creationId xmlns:a16="http://schemas.microsoft.com/office/drawing/2014/main" id="{02C2F2D5-9351-49AA-B1F4-50CE61BA42CF}"/>
+              </a:ext>
+            </a:extLst>
+          </p:cNvPr>
+          <p:cNvSpPr txBox="1"/>
+          <p:nvPr/>
+        </p:nvSpPr>
+        <p:spPr>
+          <a:xfrm>
+            <a:off x="9045483" y="3651129"/>
+            <a:ext cx="2259394" cy="246221"/>
+          </a:xfrm>
+          <a:prstGeom prst="rect">
+            <a:avLst/>
+          </a:prstGeom>
+          <a:noFill/>
+        </p:spPr>
+        <p:txBody>
+          <a:bodyPr wrap="square" rtlCol="0">
+            <a:spAutoFit/>
+          </a:bodyPr>
+          <a:lstStyle/>
+          <a:p>
+            <a:r>
+              <a:rPr lang="en-US" sz="1000" dirty="0">
+                <a:latin typeface="Poppins" panose="00000500000000000000" pitchFamily="2" charset="0"/>
+                <a:cs typeface="Poppins" panose="00000500000000000000" pitchFamily="2" charset="0"/>
+              </a:rPr>
+              <a:t>Inner html</a:t>
+            </a:r>
+          </a:p>
+        </p:txBody>
+      </p:sp>
+      <p:sp>
+        <p:nvSpPr>
+          <p:cNvPr id="17" name="TextBox 16">
+            <a:extLst>
+              <a:ext uri="{FF2B5EF4-FFF2-40B4-BE49-F238E27FC236}">
+                <a16:creationId xmlns:a16="http://schemas.microsoft.com/office/drawing/2014/main" id="{6990C99E-083F-4C7E-BBE1-96B2A319F854}"/>
+              </a:ext>
+            </a:extLst>
+          </p:cNvPr>
+          <p:cNvSpPr txBox="1"/>
+          <p:nvPr/>
+        </p:nvSpPr>
+        <p:spPr>
+          <a:xfrm>
+            <a:off x="770950" y="377376"/>
+            <a:ext cx="1218603" cy="338554"/>
+          </a:xfrm>
+          <a:prstGeom prst="rect">
+            <a:avLst/>
+          </a:prstGeom>
+          <a:noFill/>
+        </p:spPr>
+        <p:txBody>
           <a:bodyPr wrap="none" rtlCol="0">
             <a:spAutoFit/>
           </a:bodyPr>
           <a:lstStyle/>
           <a:p>
             <a:r>
-              <a:rPr lang="en-US" sz="1000" i="1" dirty="0">
-                <a:latin typeface="Poppins" panose="00000500000000000000" pitchFamily="2" charset="0"/>
-                <a:cs typeface="Poppins" panose="00000500000000000000" pitchFamily="2" charset="0"/>
-              </a:rPr>
-              <a:t>Reference: https://www.w3schools.com/js/js_htmldom.asp</a:t>
-            </a:r>
+              <a:rPr lang="en-US" sz="1600" dirty="0" err="1">
+                <a:latin typeface="Poppins" panose="00000500000000000000" pitchFamily="2" charset="0"/>
+                <a:cs typeface="Poppins" panose="00000500000000000000" pitchFamily="2" charset="0"/>
+              </a:rPr>
+              <a:t>innerHTML</a:t>
+            </a:r>
+            <a:endParaRPr lang="en-US" sz="1600" dirty="0">
+              <a:latin typeface="Poppins" panose="00000500000000000000" pitchFamily="2" charset="0"/>
+              <a:cs typeface="Poppins" panose="00000500000000000000" pitchFamily="2" charset="0"/>
+            </a:endParaRPr>
           </a:p>
         </p:txBody>
       </p:sp>
     </p:spTree>
     <p:extLst>
       <p:ext uri="{BB962C8B-B14F-4D97-AF65-F5344CB8AC3E}">
-        <p14:creationId xmlns:p14="http://schemas.microsoft.com/office/powerpoint/2010/main" val="3284568033"/>
+        <p14:creationId xmlns:p14="http://schemas.microsoft.com/office/powerpoint/2010/main" val="4010996395"/>
+      </p:ext>
+    </p:extLst>
+  </p:cSld>
+  <p:clrMapOvr>
+    <a:masterClrMapping/>
+  </p:clrMapOvr>
+</p:sld>
+</file>
+
+<file path=ppt/slides/slide9.xml><?xml version="1.0" encoding="utf-8"?>
+<p:sld xmlns:a="http://schemas.openxmlformats.org/drawingml/2006/main" xmlns:r="http://schemas.openxmlformats.org/officeDocument/2006/relationships" xmlns:p="http://schemas.openxmlformats.org/presentationml/2006/main">
+  <p:cSld>
+    <p:spTree>
+      <p:nvGrpSpPr>
+        <p:cNvPr id="1" name=""/>
+        <p:cNvGrpSpPr/>
+        <p:nvPr/>
+      </p:nvGrpSpPr>
+      <p:grpSpPr>
+        <a:xfrm>
+          <a:off x="0" y="0"/>
+          <a:ext cx="0" cy="0"/>
+          <a:chOff x="0" y="0"/>
+          <a:chExt cx="0" cy="0"/>
+        </a:xfrm>
+      </p:grpSpPr>
+      <p:sp>
+        <p:nvSpPr>
+          <p:cNvPr id="2" name="TextBox 1">
+            <a:extLst>
+              <a:ext uri="{FF2B5EF4-FFF2-40B4-BE49-F238E27FC236}">
+                <a16:creationId xmlns:a16="http://schemas.microsoft.com/office/drawing/2014/main" id="{F60BB6CC-7639-4E8B-A640-DD7C63515DBD}"/>
+              </a:ext>
+            </a:extLst>
+          </p:cNvPr>
+          <p:cNvSpPr txBox="1"/>
+          <p:nvPr/>
+        </p:nvSpPr>
+        <p:spPr>
+          <a:xfrm>
+            <a:off x="770950" y="377376"/>
+            <a:ext cx="1390124" cy="338554"/>
+          </a:xfrm>
+          <a:prstGeom prst="rect">
+            <a:avLst/>
+          </a:prstGeom>
+          <a:noFill/>
+        </p:spPr>
+        <p:txBody>
+          <a:bodyPr wrap="none" rtlCol="0">
+            <a:spAutoFit/>
+          </a:bodyPr>
+          <a:lstStyle/>
+          <a:p>
+            <a:r>
+              <a:rPr lang="en-US" sz="1600" dirty="0" err="1">
+                <a:latin typeface="Poppins" panose="00000500000000000000" pitchFamily="2" charset="0"/>
+                <a:cs typeface="Poppins" panose="00000500000000000000" pitchFamily="2" charset="0"/>
+              </a:rPr>
+              <a:t>textContent</a:t>
+            </a:r>
+            <a:endParaRPr lang="en-US" sz="1600" dirty="0">
+              <a:latin typeface="Poppins" panose="00000500000000000000" pitchFamily="2" charset="0"/>
+              <a:cs typeface="Poppins" panose="00000500000000000000" pitchFamily="2" charset="0"/>
+            </a:endParaRPr>
+          </a:p>
+        </p:txBody>
+      </p:sp>
+      <p:pic>
+        <p:nvPicPr>
+          <p:cNvPr id="4" name="Picture 3">
+            <a:extLst>
+              <a:ext uri="{FF2B5EF4-FFF2-40B4-BE49-F238E27FC236}">
+                <a16:creationId xmlns:a16="http://schemas.microsoft.com/office/drawing/2014/main" id="{BBCD191A-7787-4240-A46E-8EC8AE6FC4D7}"/>
+              </a:ext>
+            </a:extLst>
+          </p:cNvPr>
+          <p:cNvPicPr>
+            <a:picLocks noChangeAspect="1"/>
+          </p:cNvPicPr>
+          <p:nvPr/>
+        </p:nvPicPr>
+        <p:blipFill>
+          <a:blip r:embed="rId2">
+            <a:extLst>
+              <a:ext uri="{28A0092B-C50C-407E-A947-70E740481C1C}">
+                <a14:useLocalDpi xmlns:a14="http://schemas.microsoft.com/office/drawing/2010/main" val="0"/>
+              </a:ext>
+            </a:extLst>
+          </a:blip>
+          <a:stretch>
+            <a:fillRect/>
+          </a:stretch>
+        </p:blipFill>
+        <p:spPr>
+          <a:xfrm>
+            <a:off x="2980266" y="2165549"/>
+            <a:ext cx="5130799" cy="2105137"/>
+          </a:xfrm>
+          <a:prstGeom prst="rect">
+            <a:avLst/>
+          </a:prstGeom>
+        </p:spPr>
+      </p:pic>
+      <p:sp>
+        <p:nvSpPr>
+          <p:cNvPr id="5" name="TextBox 4">
+            <a:extLst>
+              <a:ext uri="{FF2B5EF4-FFF2-40B4-BE49-F238E27FC236}">
+                <a16:creationId xmlns:a16="http://schemas.microsoft.com/office/drawing/2014/main" id="{8398CD43-30D5-4EDE-8C27-24A990EEBB66}"/>
+              </a:ext>
+            </a:extLst>
+          </p:cNvPr>
+          <p:cNvSpPr txBox="1"/>
+          <p:nvPr/>
+        </p:nvSpPr>
+        <p:spPr>
+          <a:xfrm>
+            <a:off x="4487333" y="1576396"/>
+            <a:ext cx="4073262" cy="400110"/>
+          </a:xfrm>
+          <a:prstGeom prst="rect">
+            <a:avLst/>
+          </a:prstGeom>
+          <a:noFill/>
+        </p:spPr>
+        <p:txBody>
+          <a:bodyPr wrap="square" rtlCol="0">
+            <a:spAutoFit/>
+          </a:bodyPr>
+          <a:lstStyle/>
+          <a:p>
+            <a:r>
+              <a:rPr lang="en-US" sz="1000" dirty="0" err="1">
+                <a:latin typeface="Poppins" panose="00000500000000000000" pitchFamily="2" charset="0"/>
+                <a:cs typeface="Poppins" panose="00000500000000000000" pitchFamily="2" charset="0"/>
+              </a:rPr>
+              <a:t>Menambahkan</a:t>
+            </a:r>
+            <a:r>
+              <a:rPr lang="en-US" sz="1000" dirty="0">
+                <a:latin typeface="Poppins" panose="00000500000000000000" pitchFamily="2" charset="0"/>
+                <a:cs typeface="Poppins" panose="00000500000000000000" pitchFamily="2" charset="0"/>
+              </a:rPr>
+              <a:t> </a:t>
+            </a:r>
+            <a:r>
+              <a:rPr lang="en-US" sz="1000" dirty="0" err="1">
+                <a:latin typeface="Poppins" panose="00000500000000000000" pitchFamily="2" charset="0"/>
+                <a:cs typeface="Poppins" panose="00000500000000000000" pitchFamily="2" charset="0"/>
+              </a:rPr>
+              <a:t>atau</a:t>
+            </a:r>
+            <a:r>
+              <a:rPr lang="en-US" sz="1000" dirty="0">
+                <a:latin typeface="Poppins" panose="00000500000000000000" pitchFamily="2" charset="0"/>
+                <a:cs typeface="Poppins" panose="00000500000000000000" pitchFamily="2" charset="0"/>
+              </a:rPr>
+              <a:t> </a:t>
+            </a:r>
+            <a:r>
+              <a:rPr lang="en-US" sz="1000" dirty="0" err="1">
+                <a:latin typeface="Poppins" panose="00000500000000000000" pitchFamily="2" charset="0"/>
+                <a:cs typeface="Poppins" panose="00000500000000000000" pitchFamily="2" charset="0"/>
+              </a:rPr>
+              <a:t>merubah</a:t>
+            </a:r>
+            <a:r>
+              <a:rPr lang="en-US" sz="1000" dirty="0">
+                <a:latin typeface="Poppins" panose="00000500000000000000" pitchFamily="2" charset="0"/>
+                <a:cs typeface="Poppins" panose="00000500000000000000" pitchFamily="2" charset="0"/>
+              </a:rPr>
+              <a:t> </a:t>
+            </a:r>
+            <a:r>
+              <a:rPr lang="en-US" sz="1000" dirty="0" err="1">
+                <a:latin typeface="Poppins" panose="00000500000000000000" pitchFamily="2" charset="0"/>
+                <a:cs typeface="Poppins" panose="00000500000000000000" pitchFamily="2" charset="0"/>
+              </a:rPr>
+              <a:t>isi</a:t>
+            </a:r>
+            <a:r>
+              <a:rPr lang="en-US" sz="1000" dirty="0">
+                <a:latin typeface="Poppins" panose="00000500000000000000" pitchFamily="2" charset="0"/>
+                <a:cs typeface="Poppins" panose="00000500000000000000" pitchFamily="2" charset="0"/>
+              </a:rPr>
+              <a:t> </a:t>
+            </a:r>
+            <a:r>
+              <a:rPr lang="en-US" sz="1000" dirty="0" err="1">
+                <a:latin typeface="Poppins" panose="00000500000000000000" pitchFamily="2" charset="0"/>
+                <a:cs typeface="Poppins" panose="00000500000000000000" pitchFamily="2" charset="0"/>
+              </a:rPr>
+              <a:t>dari</a:t>
+            </a:r>
+            <a:r>
+              <a:rPr lang="en-US" sz="1000" dirty="0">
+                <a:latin typeface="Poppins" panose="00000500000000000000" pitchFamily="2" charset="0"/>
+                <a:cs typeface="Poppins" panose="00000500000000000000" pitchFamily="2" charset="0"/>
+              </a:rPr>
+              <a:t> element html </a:t>
+            </a:r>
+            <a:r>
+              <a:rPr lang="en-US" sz="1000" dirty="0" err="1">
+                <a:latin typeface="Poppins" panose="00000500000000000000" pitchFamily="2" charset="0"/>
+                <a:cs typeface="Poppins" panose="00000500000000000000" pitchFamily="2" charset="0"/>
+              </a:rPr>
+              <a:t>tapi</a:t>
+            </a:r>
+            <a:r>
+              <a:rPr lang="en-US" sz="1000" dirty="0">
+                <a:latin typeface="Poppins" panose="00000500000000000000" pitchFamily="2" charset="0"/>
+                <a:cs typeface="Poppins" panose="00000500000000000000" pitchFamily="2" charset="0"/>
+              </a:rPr>
+              <a:t> </a:t>
+            </a:r>
+            <a:r>
+              <a:rPr lang="en-US" sz="1000" dirty="0" err="1">
+                <a:latin typeface="Poppins" panose="00000500000000000000" pitchFamily="2" charset="0"/>
+                <a:cs typeface="Poppins" panose="00000500000000000000" pitchFamily="2" charset="0"/>
+              </a:rPr>
+              <a:t>bukan</a:t>
+            </a:r>
+            <a:r>
+              <a:rPr lang="en-US" sz="1000" dirty="0">
+                <a:latin typeface="Poppins" panose="00000500000000000000" pitchFamily="2" charset="0"/>
+                <a:cs typeface="Poppins" panose="00000500000000000000" pitchFamily="2" charset="0"/>
+              </a:rPr>
+              <a:t> </a:t>
+            </a:r>
+            <a:r>
+              <a:rPr lang="en-US" sz="1000" dirty="0" err="1">
+                <a:latin typeface="Poppins" panose="00000500000000000000" pitchFamily="2" charset="0"/>
+                <a:cs typeface="Poppins" panose="00000500000000000000" pitchFamily="2" charset="0"/>
+              </a:rPr>
+              <a:t>elementnya</a:t>
+            </a:r>
+            <a:r>
+              <a:rPr lang="en-US" sz="1000" dirty="0">
+                <a:latin typeface="Poppins" panose="00000500000000000000" pitchFamily="2" charset="0"/>
+                <a:cs typeface="Poppins" panose="00000500000000000000" pitchFamily="2" charset="0"/>
+              </a:rPr>
+              <a:t> </a:t>
+            </a:r>
+            <a:r>
+              <a:rPr lang="en-US" sz="1000" dirty="0" err="1">
+                <a:latin typeface="Poppins" panose="00000500000000000000" pitchFamily="2" charset="0"/>
+                <a:cs typeface="Poppins" panose="00000500000000000000" pitchFamily="2" charset="0"/>
+              </a:rPr>
+              <a:t>melainkan</a:t>
+            </a:r>
+            <a:r>
+              <a:rPr lang="en-US" sz="1000" dirty="0">
+                <a:latin typeface="Poppins" panose="00000500000000000000" pitchFamily="2" charset="0"/>
+                <a:cs typeface="Poppins" panose="00000500000000000000" pitchFamily="2" charset="0"/>
+              </a:rPr>
+              <a:t> </a:t>
+            </a:r>
+            <a:r>
+              <a:rPr lang="en-US" sz="1000" dirty="0" err="1">
+                <a:latin typeface="Poppins" panose="00000500000000000000" pitchFamily="2" charset="0"/>
+                <a:cs typeface="Poppins" panose="00000500000000000000" pitchFamily="2" charset="0"/>
+              </a:rPr>
+              <a:t>textnya</a:t>
+            </a:r>
+            <a:r>
+              <a:rPr lang="en-US" sz="1000" dirty="0">
+                <a:latin typeface="Poppins" panose="00000500000000000000" pitchFamily="2" charset="0"/>
+                <a:cs typeface="Poppins" panose="00000500000000000000" pitchFamily="2" charset="0"/>
+              </a:rPr>
+              <a:t> </a:t>
+            </a:r>
+            <a:r>
+              <a:rPr lang="en-US" sz="1000" dirty="0" err="1">
+                <a:latin typeface="Poppins" panose="00000500000000000000" pitchFamily="2" charset="0"/>
+                <a:cs typeface="Poppins" panose="00000500000000000000" pitchFamily="2" charset="0"/>
+              </a:rPr>
+              <a:t>saja</a:t>
+            </a:r>
+            <a:endParaRPr lang="en-US" sz="1000" dirty="0">
+              <a:latin typeface="Poppins" panose="00000500000000000000" pitchFamily="2" charset="0"/>
+              <a:cs typeface="Poppins" panose="00000500000000000000" pitchFamily="2" charset="0"/>
+            </a:endParaRPr>
+          </a:p>
+        </p:txBody>
+      </p:sp>
+      <p:cxnSp>
+        <p:nvCxnSpPr>
+          <p:cNvPr id="6" name="Straight Connector 5">
+            <a:extLst>
+              <a:ext uri="{FF2B5EF4-FFF2-40B4-BE49-F238E27FC236}">
+                <a16:creationId xmlns:a16="http://schemas.microsoft.com/office/drawing/2014/main" id="{9CA6C914-6861-454A-806F-9D1C89B7DDC9}"/>
+              </a:ext>
+            </a:extLst>
+          </p:cNvPr>
+          <p:cNvCxnSpPr>
+            <a:cxnSpLocks/>
+          </p:cNvCxnSpPr>
+          <p:nvPr/>
+        </p:nvCxnSpPr>
+        <p:spPr>
+          <a:xfrm flipH="1">
+            <a:off x="4487333" y="2040467"/>
+            <a:ext cx="1346200" cy="1236133"/>
+          </a:xfrm>
+          <a:prstGeom prst="line">
+            <a:avLst/>
+          </a:prstGeom>
+          <a:ln>
+            <a:solidFill>
+              <a:srgbClr val="FF0000"/>
+            </a:solidFill>
+          </a:ln>
+        </p:spPr>
+        <p:style>
+          <a:lnRef idx="1">
+            <a:schemeClr val="accent6"/>
+          </a:lnRef>
+          <a:fillRef idx="0">
+            <a:schemeClr val="accent6"/>
+          </a:fillRef>
+          <a:effectRef idx="0">
+            <a:schemeClr val="accent6"/>
+          </a:effectRef>
+          <a:fontRef idx="minor">
+            <a:schemeClr val="tx1"/>
+          </a:fontRef>
+        </p:style>
+      </p:cxnSp>
+      <p:cxnSp>
+        <p:nvCxnSpPr>
+          <p:cNvPr id="9" name="Straight Connector 8">
+            <a:extLst>
+              <a:ext uri="{FF2B5EF4-FFF2-40B4-BE49-F238E27FC236}">
+                <a16:creationId xmlns:a16="http://schemas.microsoft.com/office/drawing/2014/main" id="{918C383A-1B5B-4A66-BD6D-8461CFF1C00A}"/>
+              </a:ext>
+            </a:extLst>
+          </p:cNvPr>
+          <p:cNvCxnSpPr>
+            <a:cxnSpLocks/>
+          </p:cNvCxnSpPr>
+          <p:nvPr/>
+        </p:nvCxnSpPr>
+        <p:spPr>
+          <a:xfrm flipH="1" flipV="1">
+            <a:off x="2404533" y="3218117"/>
+            <a:ext cx="1185335" cy="117750"/>
+          </a:xfrm>
+          <a:prstGeom prst="line">
+            <a:avLst/>
+          </a:prstGeom>
+          <a:ln>
+            <a:solidFill>
+              <a:srgbClr val="FF0000"/>
+            </a:solidFill>
+          </a:ln>
+        </p:spPr>
+        <p:style>
+          <a:lnRef idx="1">
+            <a:schemeClr val="accent6"/>
+          </a:lnRef>
+          <a:fillRef idx="0">
+            <a:schemeClr val="accent6"/>
+          </a:fillRef>
+          <a:effectRef idx="0">
+            <a:schemeClr val="accent6"/>
+          </a:effectRef>
+          <a:fontRef idx="minor">
+            <a:schemeClr val="tx1"/>
+          </a:fontRef>
+        </p:style>
+      </p:cxnSp>
+      <p:sp>
+        <p:nvSpPr>
+          <p:cNvPr id="12" name="TextBox 11">
+            <a:extLst>
+              <a:ext uri="{FF2B5EF4-FFF2-40B4-BE49-F238E27FC236}">
+                <a16:creationId xmlns:a16="http://schemas.microsoft.com/office/drawing/2014/main" id="{4D10ADBF-E3C9-481F-9139-44FD1F9F1DD4}"/>
+              </a:ext>
+            </a:extLst>
+          </p:cNvPr>
+          <p:cNvSpPr txBox="1"/>
+          <p:nvPr/>
+        </p:nvSpPr>
+        <p:spPr>
+          <a:xfrm>
+            <a:off x="1363133" y="2971896"/>
+            <a:ext cx="1185335" cy="246221"/>
+          </a:xfrm>
+          <a:prstGeom prst="rect">
+            <a:avLst/>
+          </a:prstGeom>
+          <a:noFill/>
+        </p:spPr>
+        <p:txBody>
+          <a:bodyPr wrap="square" rtlCol="0">
+            <a:spAutoFit/>
+          </a:bodyPr>
+          <a:lstStyle/>
+          <a:p>
+            <a:r>
+              <a:rPr lang="en-US" sz="1000" dirty="0">
+                <a:latin typeface="Poppins" panose="00000500000000000000" pitchFamily="2" charset="0"/>
+                <a:cs typeface="Poppins" panose="00000500000000000000" pitchFamily="2" charset="0"/>
+              </a:rPr>
+              <a:t>Element HTML</a:t>
+            </a:r>
+          </a:p>
+        </p:txBody>
+      </p:sp>
+    </p:spTree>
+    <p:extLst>
+      <p:ext uri="{BB962C8B-B14F-4D97-AF65-F5344CB8AC3E}">
+        <p14:creationId xmlns:p14="http://schemas.microsoft.com/office/powerpoint/2010/main" val="612323456"/>
       </p:ext>
     </p:extLst>
   </p:cSld>
